--- a/training_guide_RTC.pptx
+++ b/training_guide_RTC.pptx
@@ -4902,12 +4902,20 @@
             <a:p>
               <a:pPr algn="just"/>
               <a:r>
+                <a:rPr lang="ja-JP" altLang="en-US" b="1" dirty="0">
+                  <a:solidFill>
+                    <a:srgbClr val="FF0000"/>
+                  </a:solidFill>
+                </a:rPr>
+                <a:t>モチベーション向上のために</a:t>
+              </a:r>
+              <a:r>
                 <a:rPr lang="ja-JP" altLang="en-US" dirty="0">
                   <a:solidFill>
                     <a:schemeClr val="tx1"/>
                   </a:solidFill>
                 </a:rPr>
-                <a:t>モチベーション向上のために一緒に運動し声掛けを行う</a:t>
+                <a:t>一緒に運動し声掛けを行う</a:t>
               </a:r>
               <a:r>
                 <a:rPr lang="en-US" altLang="ja-JP" dirty="0">

--- a/training_guide_RTC.pptx
+++ b/training_guide_RTC.pptx
@@ -247,7 +247,7 @@
           <a:p>
             <a:fld id="{97DB7994-B99F-41B6-9BC3-DBA2572ADAE7}" type="datetimeFigureOut">
               <a:rPr kumimoji="1" lang="ja-JP" altLang="en-US" smtClean="0"/>
-              <a:t>2019/10/31</a:t>
+              <a:t>2019/12/2</a:t>
             </a:fld>
             <a:endParaRPr kumimoji="1" lang="ja-JP" altLang="en-US"/>
           </a:p>
@@ -449,7 +449,7 @@
           <a:p>
             <a:fld id="{97DB7994-B99F-41B6-9BC3-DBA2572ADAE7}" type="datetimeFigureOut">
               <a:rPr kumimoji="1" lang="ja-JP" altLang="en-US" smtClean="0"/>
-              <a:t>2019/10/31</a:t>
+              <a:t>2019/12/2</a:t>
             </a:fld>
             <a:endParaRPr kumimoji="1" lang="ja-JP" altLang="en-US"/>
           </a:p>
@@ -661,7 +661,7 @@
           <a:p>
             <a:fld id="{97DB7994-B99F-41B6-9BC3-DBA2572ADAE7}" type="datetimeFigureOut">
               <a:rPr kumimoji="1" lang="ja-JP" altLang="en-US" smtClean="0"/>
-              <a:t>2019/10/31</a:t>
+              <a:t>2019/12/2</a:t>
             </a:fld>
             <a:endParaRPr kumimoji="1" lang="ja-JP" altLang="en-US"/>
           </a:p>
@@ -863,7 +863,7 @@
           <a:p>
             <a:fld id="{97DB7994-B99F-41B6-9BC3-DBA2572ADAE7}" type="datetimeFigureOut">
               <a:rPr kumimoji="1" lang="ja-JP" altLang="en-US" smtClean="0"/>
-              <a:t>2019/10/31</a:t>
+              <a:t>2019/12/2</a:t>
             </a:fld>
             <a:endParaRPr kumimoji="1" lang="ja-JP" altLang="en-US"/>
           </a:p>
@@ -1107,7 +1107,7 @@
           <a:p>
             <a:fld id="{97DB7994-B99F-41B6-9BC3-DBA2572ADAE7}" type="datetimeFigureOut">
               <a:rPr kumimoji="1" lang="ja-JP" altLang="en-US" smtClean="0"/>
-              <a:t>2019/10/31</a:t>
+              <a:t>2019/12/2</a:t>
             </a:fld>
             <a:endParaRPr kumimoji="1" lang="ja-JP" altLang="en-US"/>
           </a:p>
@@ -1403,7 +1403,7 @@
           <a:p>
             <a:fld id="{97DB7994-B99F-41B6-9BC3-DBA2572ADAE7}" type="datetimeFigureOut">
               <a:rPr kumimoji="1" lang="ja-JP" altLang="en-US" smtClean="0"/>
-              <a:t>2019/10/31</a:t>
+              <a:t>2019/12/2</a:t>
             </a:fld>
             <a:endParaRPr kumimoji="1" lang="ja-JP" altLang="en-US"/>
           </a:p>
@@ -1834,7 +1834,7 @@
           <a:p>
             <a:fld id="{97DB7994-B99F-41B6-9BC3-DBA2572ADAE7}" type="datetimeFigureOut">
               <a:rPr kumimoji="1" lang="ja-JP" altLang="en-US" smtClean="0"/>
-              <a:t>2019/10/31</a:t>
+              <a:t>2019/12/2</a:t>
             </a:fld>
             <a:endParaRPr kumimoji="1" lang="ja-JP" altLang="en-US"/>
           </a:p>
@@ -1952,7 +1952,7 @@
           <a:p>
             <a:fld id="{97DB7994-B99F-41B6-9BC3-DBA2572ADAE7}" type="datetimeFigureOut">
               <a:rPr kumimoji="1" lang="ja-JP" altLang="en-US" smtClean="0"/>
-              <a:t>2019/10/31</a:t>
+              <a:t>2019/12/2</a:t>
             </a:fld>
             <a:endParaRPr kumimoji="1" lang="ja-JP" altLang="en-US"/>
           </a:p>
@@ -2047,7 +2047,7 @@
           <a:p>
             <a:fld id="{97DB7994-B99F-41B6-9BC3-DBA2572ADAE7}" type="datetimeFigureOut">
               <a:rPr kumimoji="1" lang="ja-JP" altLang="en-US" smtClean="0"/>
-              <a:t>2019/10/31</a:t>
+              <a:t>2019/12/2</a:t>
             </a:fld>
             <a:endParaRPr kumimoji="1" lang="ja-JP" altLang="en-US"/>
           </a:p>
@@ -2356,7 +2356,7 @@
           <a:p>
             <a:fld id="{97DB7994-B99F-41B6-9BC3-DBA2572ADAE7}" type="datetimeFigureOut">
               <a:rPr kumimoji="1" lang="ja-JP" altLang="en-US" smtClean="0"/>
-              <a:t>2019/10/31</a:t>
+              <a:t>2019/12/2</a:t>
             </a:fld>
             <a:endParaRPr kumimoji="1" lang="ja-JP" altLang="en-US"/>
           </a:p>
@@ -2613,7 +2613,7 @@
           <a:p>
             <a:fld id="{97DB7994-B99F-41B6-9BC3-DBA2572ADAE7}" type="datetimeFigureOut">
               <a:rPr kumimoji="1" lang="ja-JP" altLang="en-US" smtClean="0"/>
-              <a:t>2019/10/31</a:t>
+              <a:t>2019/12/2</a:t>
             </a:fld>
             <a:endParaRPr kumimoji="1" lang="ja-JP" altLang="en-US"/>
           </a:p>
@@ -2858,7 +2858,7 @@
           <a:p>
             <a:fld id="{97DB7994-B99F-41B6-9BC3-DBA2572ADAE7}" type="datetimeFigureOut">
               <a:rPr kumimoji="1" lang="ja-JP" altLang="en-US" smtClean="0"/>
-              <a:t>2019/10/31</a:t>
+              <a:t>2019/12/2</a:t>
             </a:fld>
             <a:endParaRPr kumimoji="1" lang="ja-JP" altLang="en-US"/>
           </a:p>
@@ -7478,12 +7478,54 @@
           </a:extLst>
         </p:spPr>
       </p:pic>
+      <p:sp>
+        <p:nvSpPr>
+          <p:cNvPr id="71" name="テキスト ボックス 70">
+            <a:extLst>
+              <a:ext uri="{FF2B5EF4-FFF2-40B4-BE49-F238E27FC236}">
+                <a16:creationId xmlns:a16="http://schemas.microsoft.com/office/drawing/2014/main" id="{299CAE29-754C-4306-9F9D-99F0CE228C85}"/>
+              </a:ext>
+            </a:extLst>
+          </p:cNvPr>
+          <p:cNvSpPr txBox="1"/>
+          <p:nvPr/>
+        </p:nvSpPr>
+        <p:spPr>
+          <a:xfrm>
+            <a:off x="5728972" y="1321332"/>
+            <a:ext cx="3813403" cy="584775"/>
+          </a:xfrm>
+          <a:prstGeom prst="rect">
+            <a:avLst/>
+          </a:prstGeom>
+          <a:noFill/>
+        </p:spPr>
+        <p:txBody>
+          <a:bodyPr wrap="square" rtlCol="0">
+            <a:spAutoFit/>
+          </a:bodyPr>
+          <a:lstStyle/>
+          <a:p>
+            <a:r>
+              <a:rPr kumimoji="1" lang="ja-JP" altLang="en-US" sz="1600" dirty="0"/>
+              <a:t>新田怜香，大塚菜々</a:t>
+            </a:r>
+            <a:endParaRPr kumimoji="1" lang="en-US" altLang="ja-JP" sz="1600" dirty="0"/>
+          </a:p>
+          <a:p>
+            <a:r>
+              <a:rPr kumimoji="1" lang="ja-JP" altLang="en-US" sz="1600" dirty="0"/>
+              <a:t>岡野憲，松日楽信人（芝浦工業大学）</a:t>
+            </a:r>
+          </a:p>
+        </p:txBody>
+      </p:sp>
       <p:pic>
         <p:nvPicPr>
-          <p:cNvPr id="2" name="図 1">
+          <p:cNvPr id="7" name="図 6">
             <a:extLst>
               <a:ext uri="{FF2B5EF4-FFF2-40B4-BE49-F238E27FC236}">
-                <a16:creationId xmlns:a16="http://schemas.microsoft.com/office/drawing/2014/main" id="{8CBA16FB-37FB-417E-B855-50262B875753}"/>
+                <a16:creationId xmlns:a16="http://schemas.microsoft.com/office/drawing/2014/main" id="{1ED794D5-BCB8-4AF7-913F-1A3D01D4CCA0}"/>
               </a:ext>
             </a:extLst>
           </p:cNvPr>
@@ -7511,56 +7553,14 @@
         </p:blipFill>
         <p:spPr>
           <a:xfrm>
-            <a:off x="-20844" y="2017141"/>
-            <a:ext cx="5371411" cy="3998256"/>
+            <a:off x="-2699" y="1758773"/>
+            <a:ext cx="5488927" cy="4290626"/>
           </a:xfrm>
           <a:prstGeom prst="rect">
             <a:avLst/>
           </a:prstGeom>
         </p:spPr>
       </p:pic>
-      <p:sp>
-        <p:nvSpPr>
-          <p:cNvPr id="71" name="テキスト ボックス 70">
-            <a:extLst>
-              <a:ext uri="{FF2B5EF4-FFF2-40B4-BE49-F238E27FC236}">
-                <a16:creationId xmlns:a16="http://schemas.microsoft.com/office/drawing/2014/main" id="{299CAE29-754C-4306-9F9D-99F0CE228C85}"/>
-              </a:ext>
-            </a:extLst>
-          </p:cNvPr>
-          <p:cNvSpPr txBox="1"/>
-          <p:nvPr/>
-        </p:nvSpPr>
-        <p:spPr>
-          <a:xfrm>
-            <a:off x="5728972" y="1321332"/>
-            <a:ext cx="3813403" cy="584775"/>
-          </a:xfrm>
-          <a:prstGeom prst="rect">
-            <a:avLst/>
-          </a:prstGeom>
-          <a:noFill/>
-        </p:spPr>
-        <p:txBody>
-          <a:bodyPr wrap="square" rtlCol="0">
-            <a:spAutoFit/>
-          </a:bodyPr>
-          <a:lstStyle/>
-          <a:p>
-            <a:r>
-              <a:rPr kumimoji="1" lang="ja-JP" altLang="en-US" sz="1600" dirty="0"/>
-              <a:t>新田怜香，大塚菜々</a:t>
-            </a:r>
-            <a:endParaRPr kumimoji="1" lang="en-US" altLang="ja-JP" sz="1600" dirty="0"/>
-          </a:p>
-          <a:p>
-            <a:r>
-              <a:rPr kumimoji="1" lang="ja-JP" altLang="en-US" sz="1600" dirty="0"/>
-              <a:t>岡野憲，松日楽信人（芝浦工業大学）</a:t>
-            </a:r>
-          </a:p>
-        </p:txBody>
-      </p:sp>
     </p:spTree>
     <p:extLst>
       <p:ext uri="{BB962C8B-B14F-4D97-AF65-F5344CB8AC3E}">
